--- a/content/Entelect - BDD and Cucumber Dojo - 2017 (1).pptx
+++ b/content/Entelect - BDD and Cucumber Dojo - 2017 (1).pptx
@@ -2098,6 +2098,19 @@
                 <a:sym typeface="Calibri"/>
               </a:rPr>
               <a:t>The number of examples is up to you, but remember more examples now means more refactoring later</a:t>
+            </a:r>
+          </a:p>
+          <a:p>
+            <a:pPr indent="0" lvl="0" marL="0" marR="0" rtl="0" algn="l">
+              <a:spcBef>
+                <a:spcPts val="0"/>
+              </a:spcBef>
+              <a:buSzPct val="25000"/>
+              <a:buNone/>
+            </a:pPr>
+            <a:r>
+              <a:rPr lang="en-ZA"/>
+              <a:t>NB: Note senario “outline” keyword</a:t>
             </a:r>
           </a:p>
         </p:txBody>
@@ -14670,7 +14683,11 @@
                 <a:cs typeface="Arial"/>
                 <a:sym typeface="Arial"/>
               </a:rPr>
-              <a:t>The product owner has requested new functionality to be added that caters for buy one get one free special offers on all chocolate bars during the month of September. </a:t>
+              <a:t>The product owner has requested new functionality to be added that caters for buy one get one free special offers on all chocolate bars during the month of September. The bar price</a:t>
+            </a:r>
+            <a:r>
+              <a:rPr lang="en-ZA" sz="2220"/>
+              <a:t> is R10.</a:t>
             </a:r>
           </a:p>
           <a:p>
@@ -15497,8 +15514,46 @@
                 <a:cs typeface="Arial"/>
                 <a:sym typeface="Arial"/>
               </a:rPr>
-              <a:t>Create a scenario outline with multiple test examples in order to test various scenarios for different meats, prices and quantities</a:t>
+              <a:t>Create a scenario to outline with multiple test examples in order to test various scenarios for different prices and quantities f</a:t>
             </a:r>
+            <a:r>
+              <a:rPr lang="en-ZA"/>
+              <a:t>or chicken. Include fractional masses.</a:t>
+            </a:r>
+          </a:p>
+          <a:p>
+            <a:pPr indent="0" lvl="0" marL="0" marR="0" rtl="0" algn="l">
+              <a:spcBef>
+                <a:spcPts val="480"/>
+              </a:spcBef>
+              <a:buClr>
+                <a:srgbClr val="002850"/>
+              </a:buClr>
+              <a:buSzPct val="25000"/>
+              <a:buFont typeface="Arial"/>
+              <a:buNone/>
+            </a:pPr>
+            <a:r>
+              <a:t/>
+            </a:r>
+            <a:endParaRPr/>
+          </a:p>
+          <a:p>
+            <a:pPr indent="0" lvl="0" marL="0" marR="0" rtl="0" algn="l">
+              <a:spcBef>
+                <a:spcPts val="480"/>
+              </a:spcBef>
+              <a:buClr>
+                <a:srgbClr val="002850"/>
+              </a:buClr>
+              <a:buSzPct val="25000"/>
+              <a:buFont typeface="Arial"/>
+              <a:buNone/>
+            </a:pPr>
+            <a:r>
+              <a:t/>
+            </a:r>
+            <a:endParaRPr/>
           </a:p>
         </p:txBody>
       </p:sp>
@@ -17737,7 +17792,23 @@
                 <a:cs typeface="Arial"/>
                 <a:sym typeface="Arial"/>
               </a:rPr>
-              <a:t>A customer got 1.5 kg of chicken from the butchery section @R32.95/kg and chooses to checkout</a:t>
+              <a:t>A customer got 1.5 kg of chicken from the butchery section @R32.9</a:t>
+            </a:r>
+            <a:r>
+              <a:rPr lang="en-ZA"/>
+              <a:t>0</a:t>
+            </a:r>
+            <a:r>
+              <a:rPr b="0" i="0" lang="en-ZA" sz="2400" u="none" cap="none" strike="noStrike">
+                <a:solidFill>
+                  <a:srgbClr val="002850"/>
+                </a:solidFill>
+                <a:latin typeface="Arial"/>
+                <a:ea typeface="Arial"/>
+                <a:cs typeface="Arial"/>
+                <a:sym typeface="Arial"/>
+              </a:rPr>
+              <a:t>/kg and chooses to checkout</a:t>
             </a:r>
           </a:p>
         </p:txBody>
@@ -17751,6 +17822,285 @@
 </file>
 
 <file path=ppt/theme/theme1.xml><?xml version="1.0" encoding="utf-8"?>
+<a:theme xmlns:a="http://schemas.openxmlformats.org/drawingml/2006/main" xmlns:r="http://schemas.openxmlformats.org/officeDocument/2006/relationships" name="Office Theme">
+  <a:themeElements>
+    <a:clrScheme name="Entelect Theme">
+      <a:dk1>
+        <a:srgbClr val="17365D"/>
+      </a:dk1>
+      <a:lt1>
+        <a:srgbClr val="FFFFFF"/>
+      </a:lt1>
+      <a:dk2>
+        <a:srgbClr val="17365D"/>
+      </a:dk2>
+      <a:lt2>
+        <a:srgbClr val="EEECE1"/>
+      </a:lt2>
+      <a:accent1>
+        <a:srgbClr val="9FC03B"/>
+      </a:accent1>
+      <a:accent2>
+        <a:srgbClr val="17365D"/>
+      </a:accent2>
+      <a:accent3>
+        <a:srgbClr val="11C903"/>
+      </a:accent3>
+      <a:accent4>
+        <a:srgbClr val="21CB25"/>
+      </a:accent4>
+      <a:accent5>
+        <a:srgbClr val="5BEB6C"/>
+      </a:accent5>
+      <a:accent6>
+        <a:srgbClr val="E36C09"/>
+      </a:accent6>
+      <a:hlink>
+        <a:srgbClr val="E36C09"/>
+      </a:hlink>
+      <a:folHlink>
+        <a:srgbClr val="E36C09"/>
+      </a:folHlink>
+    </a:clrScheme>
+    <a:fontScheme name="Office">
+      <a:majorFont>
+        <a:latin typeface="Arial"/>
+        <a:ea typeface=""/>
+        <a:cs typeface=""/>
+        <a:font script="Jpan" typeface="ＭＳ Ｐゴシック"/>
+        <a:font script="Hang" typeface="맑은 고딕"/>
+        <a:font script="Hans" typeface="宋体"/>
+        <a:font script="Hant" typeface="新細明體"/>
+        <a:font script="Arab" typeface="Times New Roman"/>
+        <a:font script="Hebr" typeface="Times New Roman"/>
+        <a:font script="Thai" typeface="Angsana New"/>
+        <a:font script="Ethi" typeface="Nyala"/>
+        <a:font script="Beng" typeface="Vrinda"/>
+        <a:font script="Gujr" typeface="Shruti"/>
+        <a:font script="Khmr" typeface="MoolBoran"/>
+        <a:font script="Knda" typeface="Tunga"/>
+        <a:font script="Guru" typeface="Raavi"/>
+        <a:font script="Cans" typeface="Euphemia"/>
+        <a:font script="Cher" typeface="Plantagenet Cherokee"/>
+        <a:font script="Yiii" typeface="Microsoft Yi Baiti"/>
+        <a:font script="Tibt" typeface="Microsoft Himalaya"/>
+        <a:font script="Thaa" typeface="MV Boli"/>
+        <a:font script="Deva" typeface="Mangal"/>
+        <a:font script="Telu" typeface="Gautami"/>
+        <a:font script="Taml" typeface="Latha"/>
+        <a:font script="Syrc" typeface="Estrangelo Edessa"/>
+        <a:font script="Orya" typeface="Kalinga"/>
+        <a:font script="Mlym" typeface="Kartika"/>
+        <a:font script="Laoo" typeface="DokChampa"/>
+        <a:font script="Sinh" typeface="Iskoola Pota"/>
+        <a:font script="Mong" typeface="Mongolian Baiti"/>
+        <a:font script="Viet" typeface="Times New Roman"/>
+        <a:font script="Uigh" typeface="Microsoft Uighur"/>
+        <a:font script="Geor" typeface="Sylfaen"/>
+      </a:majorFont>
+      <a:minorFont>
+        <a:latin typeface="Arial"/>
+        <a:ea typeface=""/>
+        <a:cs typeface=""/>
+        <a:font script="Jpan" typeface="ＭＳ Ｐゴシック"/>
+        <a:font script="Hang" typeface="맑은 고딕"/>
+        <a:font script="Hans" typeface="宋体"/>
+        <a:font script="Hant" typeface="新細明體"/>
+        <a:font script="Arab" typeface="Arial"/>
+        <a:font script="Hebr" typeface="Arial"/>
+        <a:font script="Thai" typeface="Cordia New"/>
+        <a:font script="Ethi" typeface="Nyala"/>
+        <a:font script="Beng" typeface="Vrinda"/>
+        <a:font script="Gujr" typeface="Shruti"/>
+        <a:font script="Khmr" typeface="DaunPenh"/>
+        <a:font script="Knda" typeface="Tunga"/>
+        <a:font script="Guru" typeface="Raavi"/>
+        <a:font script="Cans" typeface="Euphemia"/>
+        <a:font script="Cher" typeface="Plantagenet Cherokee"/>
+        <a:font script="Yiii" typeface="Microsoft Yi Baiti"/>
+        <a:font script="Tibt" typeface="Microsoft Himalaya"/>
+        <a:font script="Thaa" typeface="MV Boli"/>
+        <a:font script="Deva" typeface="Mangal"/>
+        <a:font script="Telu" typeface="Gautami"/>
+        <a:font script="Taml" typeface="Latha"/>
+        <a:font script="Syrc" typeface="Estrangelo Edessa"/>
+        <a:font script="Orya" typeface="Kalinga"/>
+        <a:font script="Mlym" typeface="Kartika"/>
+        <a:font script="Laoo" typeface="DokChampa"/>
+        <a:font script="Sinh" typeface="Iskoola Pota"/>
+        <a:font script="Mong" typeface="Mongolian Baiti"/>
+        <a:font script="Viet" typeface="Arial"/>
+        <a:font script="Uigh" typeface="Microsoft Uighur"/>
+        <a:font script="Geor" typeface="Sylfaen"/>
+      </a:minorFont>
+    </a:fontScheme>
+    <a:fmtScheme name="Office">
+      <a:fillStyleLst>
+        <a:solidFill>
+          <a:schemeClr val="phClr"/>
+        </a:solidFill>
+        <a:gradFill rotWithShape="1">
+          <a:gsLst>
+            <a:gs pos="0">
+              <a:schemeClr val="phClr">
+                <a:tint val="50000"/>
+                <a:satMod val="300000"/>
+              </a:schemeClr>
+            </a:gs>
+            <a:gs pos="35000">
+              <a:schemeClr val="phClr">
+                <a:tint val="37000"/>
+                <a:satMod val="300000"/>
+              </a:schemeClr>
+            </a:gs>
+            <a:gs pos="100000">
+              <a:schemeClr val="phClr">
+                <a:tint val="15000"/>
+                <a:satMod val="350000"/>
+              </a:schemeClr>
+            </a:gs>
+          </a:gsLst>
+          <a:lin ang="16200000" scaled="1"/>
+        </a:gradFill>
+        <a:gradFill rotWithShape="1">
+          <a:gsLst>
+            <a:gs pos="0">
+              <a:schemeClr val="phClr">
+                <a:tint val="100000"/>
+                <a:shade val="100000"/>
+                <a:satMod val="130000"/>
+              </a:schemeClr>
+            </a:gs>
+            <a:gs pos="100000">
+              <a:schemeClr val="phClr">
+                <a:tint val="50000"/>
+                <a:shade val="100000"/>
+                <a:satMod val="350000"/>
+              </a:schemeClr>
+            </a:gs>
+          </a:gsLst>
+          <a:lin ang="16200000" scaled="0"/>
+        </a:gradFill>
+      </a:fillStyleLst>
+      <a:lnStyleLst>
+        <a:ln w="9525" cap="flat" cmpd="sng" algn="ctr">
+          <a:solidFill>
+            <a:schemeClr val="phClr">
+              <a:shade val="95000"/>
+              <a:satMod val="105000"/>
+            </a:schemeClr>
+          </a:solidFill>
+          <a:prstDash val="solid"/>
+        </a:ln>
+        <a:ln w="25400" cap="flat" cmpd="sng" algn="ctr">
+          <a:solidFill>
+            <a:schemeClr val="phClr"/>
+          </a:solidFill>
+          <a:prstDash val="solid"/>
+        </a:ln>
+        <a:ln w="38100" cap="flat" cmpd="sng" algn="ctr">
+          <a:solidFill>
+            <a:schemeClr val="phClr"/>
+          </a:solidFill>
+          <a:prstDash val="solid"/>
+        </a:ln>
+      </a:lnStyleLst>
+      <a:effectStyleLst>
+        <a:effectStyle>
+          <a:effectLst>
+            <a:outerShdw blurRad="40000" dist="20000" dir="5400000" rotWithShape="0">
+              <a:srgbClr val="000000">
+                <a:alpha val="38000"/>
+              </a:srgbClr>
+            </a:outerShdw>
+          </a:effectLst>
+        </a:effectStyle>
+        <a:effectStyle>
+          <a:effectLst>
+            <a:outerShdw blurRad="40000" dist="23000" dir="5400000" rotWithShape="0">
+              <a:srgbClr val="000000">
+                <a:alpha val="35000"/>
+              </a:srgbClr>
+            </a:outerShdw>
+          </a:effectLst>
+        </a:effectStyle>
+        <a:effectStyle>
+          <a:effectLst>
+            <a:outerShdw blurRad="40000" dist="23000" dir="5400000" rotWithShape="0">
+              <a:srgbClr val="000000">
+                <a:alpha val="35000"/>
+              </a:srgbClr>
+            </a:outerShdw>
+          </a:effectLst>
+          <a:scene3d>
+            <a:camera prst="orthographicFront">
+              <a:rot lat="0" lon="0" rev="0"/>
+            </a:camera>
+            <a:lightRig rig="threePt" dir="t">
+              <a:rot lat="0" lon="0" rev="1200000"/>
+            </a:lightRig>
+          </a:scene3d>
+          <a:sp3d>
+            <a:bevelT w="63500" h="25400"/>
+          </a:sp3d>
+        </a:effectStyle>
+      </a:effectStyleLst>
+      <a:bgFillStyleLst>
+        <a:solidFill>
+          <a:schemeClr val="phClr"/>
+        </a:solidFill>
+        <a:gradFill rotWithShape="1">
+          <a:gsLst>
+            <a:gs pos="0">
+              <a:schemeClr val="phClr">
+                <a:tint val="40000"/>
+                <a:satMod val="350000"/>
+              </a:schemeClr>
+            </a:gs>
+            <a:gs pos="40000">
+              <a:schemeClr val="phClr">
+                <a:tint val="45000"/>
+                <a:shade val="99000"/>
+                <a:satMod val="350000"/>
+              </a:schemeClr>
+            </a:gs>
+            <a:gs pos="100000">
+              <a:schemeClr val="phClr">
+                <a:shade val="20000"/>
+                <a:satMod val="255000"/>
+              </a:schemeClr>
+            </a:gs>
+          </a:gsLst>
+          <a:path path="circle">
+            <a:fillToRect l="50000" t="-80000" r="50000" b="180000"/>
+          </a:path>
+        </a:gradFill>
+        <a:gradFill rotWithShape="1">
+          <a:gsLst>
+            <a:gs pos="0">
+              <a:schemeClr val="phClr">
+                <a:tint val="80000"/>
+                <a:satMod val="300000"/>
+              </a:schemeClr>
+            </a:gs>
+            <a:gs pos="100000">
+              <a:schemeClr val="phClr">
+                <a:shade val="30000"/>
+                <a:satMod val="200000"/>
+              </a:schemeClr>
+            </a:gs>
+          </a:gsLst>
+          <a:path path="circle">
+            <a:fillToRect l="50000" t="50000" r="50000" b="50000"/>
+          </a:path>
+        </a:gradFill>
+      </a:bgFillStyleLst>
+    </a:fmtScheme>
+  </a:themeElements>
+</a:theme>
+</file>
+
+<file path=ppt/theme/theme2.xml><?xml version="1.0" encoding="utf-8"?>
 <a:theme xmlns:a="http://schemas.openxmlformats.org/drawingml/2006/main" xmlns:r="http://schemas.openxmlformats.org/officeDocument/2006/relationships" name="Office Theme">
   <a:themeElements>
     <a:clrScheme name="Office">
@@ -18027,283 +18377,4 @@
     </a:fmtScheme>
   </a:themeElements>
 </a:theme>
-</file>
-
-<file path=ppt/theme/theme2.xml><?xml version="1.0" encoding="utf-8"?>
-<a:theme xmlns:a="http://schemas.openxmlformats.org/drawingml/2006/main" xmlns:r="http://schemas.openxmlformats.org/officeDocument/2006/relationships" name="Office Theme">
-  <a:themeElements>
-    <a:clrScheme name="Entelect Theme">
-      <a:dk1>
-        <a:srgbClr val="17365D"/>
-      </a:dk1>
-      <a:lt1>
-        <a:srgbClr val="FFFFFF"/>
-      </a:lt1>
-      <a:dk2>
-        <a:srgbClr val="17365D"/>
-      </a:dk2>
-      <a:lt2>
-        <a:srgbClr val="EEECE1"/>
-      </a:lt2>
-      <a:accent1>
-        <a:srgbClr val="9FC03B"/>
-      </a:accent1>
-      <a:accent2>
-        <a:srgbClr val="17365D"/>
-      </a:accent2>
-      <a:accent3>
-        <a:srgbClr val="11C903"/>
-      </a:accent3>
-      <a:accent4>
-        <a:srgbClr val="21CB25"/>
-      </a:accent4>
-      <a:accent5>
-        <a:srgbClr val="5BEB6C"/>
-      </a:accent5>
-      <a:accent6>
-        <a:srgbClr val="E36C09"/>
-      </a:accent6>
-      <a:hlink>
-        <a:srgbClr val="E36C09"/>
-      </a:hlink>
-      <a:folHlink>
-        <a:srgbClr val="E36C09"/>
-      </a:folHlink>
-    </a:clrScheme>
-    <a:fontScheme name="Office">
-      <a:majorFont>
-        <a:latin typeface="Arial"/>
-        <a:ea typeface=""/>
-        <a:cs typeface=""/>
-        <a:font script="Jpan" typeface="ＭＳ Ｐゴシック"/>
-        <a:font script="Hang" typeface="맑은 고딕"/>
-        <a:font script="Hans" typeface="宋体"/>
-        <a:font script="Hant" typeface="新細明體"/>
-        <a:font script="Arab" typeface="Times New Roman"/>
-        <a:font script="Hebr" typeface="Times New Roman"/>
-        <a:font script="Thai" typeface="Angsana New"/>
-        <a:font script="Ethi" typeface="Nyala"/>
-        <a:font script="Beng" typeface="Vrinda"/>
-        <a:font script="Gujr" typeface="Shruti"/>
-        <a:font script="Khmr" typeface="MoolBoran"/>
-        <a:font script="Knda" typeface="Tunga"/>
-        <a:font script="Guru" typeface="Raavi"/>
-        <a:font script="Cans" typeface="Euphemia"/>
-        <a:font script="Cher" typeface="Plantagenet Cherokee"/>
-        <a:font script="Yiii" typeface="Microsoft Yi Baiti"/>
-        <a:font script="Tibt" typeface="Microsoft Himalaya"/>
-        <a:font script="Thaa" typeface="MV Boli"/>
-        <a:font script="Deva" typeface="Mangal"/>
-        <a:font script="Telu" typeface="Gautami"/>
-        <a:font script="Taml" typeface="Latha"/>
-        <a:font script="Syrc" typeface="Estrangelo Edessa"/>
-        <a:font script="Orya" typeface="Kalinga"/>
-        <a:font script="Mlym" typeface="Kartika"/>
-        <a:font script="Laoo" typeface="DokChampa"/>
-        <a:font script="Sinh" typeface="Iskoola Pota"/>
-        <a:font script="Mong" typeface="Mongolian Baiti"/>
-        <a:font script="Viet" typeface="Times New Roman"/>
-        <a:font script="Uigh" typeface="Microsoft Uighur"/>
-        <a:font script="Geor" typeface="Sylfaen"/>
-      </a:majorFont>
-      <a:minorFont>
-        <a:latin typeface="Arial"/>
-        <a:ea typeface=""/>
-        <a:cs typeface=""/>
-        <a:font script="Jpan" typeface="ＭＳ Ｐゴシック"/>
-        <a:font script="Hang" typeface="맑은 고딕"/>
-        <a:font script="Hans" typeface="宋体"/>
-        <a:font script="Hant" typeface="新細明體"/>
-        <a:font script="Arab" typeface="Arial"/>
-        <a:font script="Hebr" typeface="Arial"/>
-        <a:font script="Thai" typeface="Cordia New"/>
-        <a:font script="Ethi" typeface="Nyala"/>
-        <a:font script="Beng" typeface="Vrinda"/>
-        <a:font script="Gujr" typeface="Shruti"/>
-        <a:font script="Khmr" typeface="DaunPenh"/>
-        <a:font script="Knda" typeface="Tunga"/>
-        <a:font script="Guru" typeface="Raavi"/>
-        <a:font script="Cans" typeface="Euphemia"/>
-        <a:font script="Cher" typeface="Plantagenet Cherokee"/>
-        <a:font script="Yiii" typeface="Microsoft Yi Baiti"/>
-        <a:font script="Tibt" typeface="Microsoft Himalaya"/>
-        <a:font script="Thaa" typeface="MV Boli"/>
-        <a:font script="Deva" typeface="Mangal"/>
-        <a:font script="Telu" typeface="Gautami"/>
-        <a:font script="Taml" typeface="Latha"/>
-        <a:font script="Syrc" typeface="Estrangelo Edessa"/>
-        <a:font script="Orya" typeface="Kalinga"/>
-        <a:font script="Mlym" typeface="Kartika"/>
-        <a:font script="Laoo" typeface="DokChampa"/>
-        <a:font script="Sinh" typeface="Iskoola Pota"/>
-        <a:font script="Mong" typeface="Mongolian Baiti"/>
-        <a:font script="Viet" typeface="Arial"/>
-        <a:font script="Uigh" typeface="Microsoft Uighur"/>
-        <a:font script="Geor" typeface="Sylfaen"/>
-      </a:minorFont>
-    </a:fontScheme>
-    <a:fmtScheme name="Office">
-      <a:fillStyleLst>
-        <a:solidFill>
-          <a:schemeClr val="phClr"/>
-        </a:solidFill>
-        <a:gradFill rotWithShape="1">
-          <a:gsLst>
-            <a:gs pos="0">
-              <a:schemeClr val="phClr">
-                <a:tint val="50000"/>
-                <a:satMod val="300000"/>
-              </a:schemeClr>
-            </a:gs>
-            <a:gs pos="35000">
-              <a:schemeClr val="phClr">
-                <a:tint val="37000"/>
-                <a:satMod val="300000"/>
-              </a:schemeClr>
-            </a:gs>
-            <a:gs pos="100000">
-              <a:schemeClr val="phClr">
-                <a:tint val="15000"/>
-                <a:satMod val="350000"/>
-              </a:schemeClr>
-            </a:gs>
-          </a:gsLst>
-          <a:lin ang="16200000" scaled="1"/>
-        </a:gradFill>
-        <a:gradFill rotWithShape="1">
-          <a:gsLst>
-            <a:gs pos="0">
-              <a:schemeClr val="phClr">
-                <a:tint val="100000"/>
-                <a:shade val="100000"/>
-                <a:satMod val="130000"/>
-              </a:schemeClr>
-            </a:gs>
-            <a:gs pos="100000">
-              <a:schemeClr val="phClr">
-                <a:tint val="50000"/>
-                <a:shade val="100000"/>
-                <a:satMod val="350000"/>
-              </a:schemeClr>
-            </a:gs>
-          </a:gsLst>
-          <a:lin ang="16200000" scaled="0"/>
-        </a:gradFill>
-      </a:fillStyleLst>
-      <a:lnStyleLst>
-        <a:ln w="9525" cap="flat" cmpd="sng" algn="ctr">
-          <a:solidFill>
-            <a:schemeClr val="phClr">
-              <a:shade val="95000"/>
-              <a:satMod val="105000"/>
-            </a:schemeClr>
-          </a:solidFill>
-          <a:prstDash val="solid"/>
-        </a:ln>
-        <a:ln w="25400" cap="flat" cmpd="sng" algn="ctr">
-          <a:solidFill>
-            <a:schemeClr val="phClr"/>
-          </a:solidFill>
-          <a:prstDash val="solid"/>
-        </a:ln>
-        <a:ln w="38100" cap="flat" cmpd="sng" algn="ctr">
-          <a:solidFill>
-            <a:schemeClr val="phClr"/>
-          </a:solidFill>
-          <a:prstDash val="solid"/>
-        </a:ln>
-      </a:lnStyleLst>
-      <a:effectStyleLst>
-        <a:effectStyle>
-          <a:effectLst>
-            <a:outerShdw blurRad="40000" dist="20000" dir="5400000" rotWithShape="0">
-              <a:srgbClr val="000000">
-                <a:alpha val="38000"/>
-              </a:srgbClr>
-            </a:outerShdw>
-          </a:effectLst>
-        </a:effectStyle>
-        <a:effectStyle>
-          <a:effectLst>
-            <a:outerShdw blurRad="40000" dist="23000" dir="5400000" rotWithShape="0">
-              <a:srgbClr val="000000">
-                <a:alpha val="35000"/>
-              </a:srgbClr>
-            </a:outerShdw>
-          </a:effectLst>
-        </a:effectStyle>
-        <a:effectStyle>
-          <a:effectLst>
-            <a:outerShdw blurRad="40000" dist="23000" dir="5400000" rotWithShape="0">
-              <a:srgbClr val="000000">
-                <a:alpha val="35000"/>
-              </a:srgbClr>
-            </a:outerShdw>
-          </a:effectLst>
-          <a:scene3d>
-            <a:camera prst="orthographicFront">
-              <a:rot lat="0" lon="0" rev="0"/>
-            </a:camera>
-            <a:lightRig rig="threePt" dir="t">
-              <a:rot lat="0" lon="0" rev="1200000"/>
-            </a:lightRig>
-          </a:scene3d>
-          <a:sp3d>
-            <a:bevelT w="63500" h="25400"/>
-          </a:sp3d>
-        </a:effectStyle>
-      </a:effectStyleLst>
-      <a:bgFillStyleLst>
-        <a:solidFill>
-          <a:schemeClr val="phClr"/>
-        </a:solidFill>
-        <a:gradFill rotWithShape="1">
-          <a:gsLst>
-            <a:gs pos="0">
-              <a:schemeClr val="phClr">
-                <a:tint val="40000"/>
-                <a:satMod val="350000"/>
-              </a:schemeClr>
-            </a:gs>
-            <a:gs pos="40000">
-              <a:schemeClr val="phClr">
-                <a:tint val="45000"/>
-                <a:shade val="99000"/>
-                <a:satMod val="350000"/>
-              </a:schemeClr>
-            </a:gs>
-            <a:gs pos="100000">
-              <a:schemeClr val="phClr">
-                <a:shade val="20000"/>
-                <a:satMod val="255000"/>
-              </a:schemeClr>
-            </a:gs>
-          </a:gsLst>
-          <a:path path="circle">
-            <a:fillToRect l="50000" t="-80000" r="50000" b="180000"/>
-          </a:path>
-        </a:gradFill>
-        <a:gradFill rotWithShape="1">
-          <a:gsLst>
-            <a:gs pos="0">
-              <a:schemeClr val="phClr">
-                <a:tint val="80000"/>
-                <a:satMod val="300000"/>
-              </a:schemeClr>
-            </a:gs>
-            <a:gs pos="100000">
-              <a:schemeClr val="phClr">
-                <a:shade val="30000"/>
-                <a:satMod val="200000"/>
-              </a:schemeClr>
-            </a:gs>
-          </a:gsLst>
-          <a:path path="circle">
-            <a:fillToRect l="50000" t="50000" r="50000" b="50000"/>
-          </a:path>
-        </a:gradFill>
-      </a:bgFillStyleLst>
-    </a:fmtScheme>
-  </a:themeElements>
-</a:theme>
 </file>